--- a/doc/earthquake-problem.pptx
+++ b/doc/earthquake-problem.pptx
@@ -5,8 +5,7 @@
     <p:sldMasterId id="2147483648" r:id="rId1"/>
   </p:sldMasterIdLst>
   <p:sldIdLst>
-    <p:sldId id="256" r:id="rId2"/>
-    <p:sldId id="257" r:id="rId3"/>
+    <p:sldId id="257" r:id="rId2"/>
   </p:sldIdLst>
   <p:sldSz cx="12192000" cy="6858000"/>
   <p:notesSz cx="6858000" cy="9144000"/>
@@ -105,6 +104,11 @@
       </a:defRPr>
     </a:lvl9pPr>
   </p:defaultTextStyle>
+  <p:extLst>
+    <p:ext uri="{EFAFB233-063F-42B5-8137-9DF3F51BA10A}">
+      <p15:sldGuideLst xmlns:p15="http://schemas.microsoft.com/office/powerpoint/2012/main"/>
+    </p:ext>
+  </p:extLst>
 </p:presentation>
 </file>
 
@@ -150,10 +154,9 @@
           </a:lstStyle>
           <a:p>
             <a:r>
-              <a:rPr lang="en-US" smtClean="0"/>
+              <a:rPr lang="en-US"/>
               <a:t>Click to edit Master title style</a:t>
             </a:r>
-            <a:endParaRPr lang="en-US"/>
           </a:p>
         </p:txBody>
       </p:sp>
@@ -215,10 +218,9 @@
           </a:lstStyle>
           <a:p>
             <a:r>
-              <a:rPr lang="en-US" smtClean="0"/>
+              <a:rPr lang="en-US"/>
               <a:t>Click to edit Master subtitle style</a:t>
             </a:r>
-            <a:endParaRPr lang="en-US"/>
           </a:p>
         </p:txBody>
       </p:sp>
@@ -239,7 +241,7 @@
           <a:p>
             <a:fld id="{BF3B26E7-6077-F542-8106-77FC5F04EDC0}" type="datetimeFigureOut">
               <a:rPr lang="en-US" smtClean="0"/>
-              <a:t>7/18/17</a:t>
+              <a:t>7/18/2017</a:t>
             </a:fld>
             <a:endParaRPr lang="en-US"/>
           </a:p>
@@ -333,10 +335,9 @@
           <a:lstStyle/>
           <a:p>
             <a:r>
-              <a:rPr lang="en-US" smtClean="0"/>
+              <a:rPr lang="en-US"/>
               <a:t>Click to edit Master title style</a:t>
             </a:r>
-            <a:endParaRPr lang="en-US"/>
           </a:p>
         </p:txBody>
       </p:sp>
@@ -357,38 +358,37 @@
           <a:p>
             <a:pPr lvl="0"/>
             <a:r>
-              <a:rPr lang="en-US" smtClean="0"/>
+              <a:rPr lang="en-US"/>
               <a:t>Click to edit Master text styles</a:t>
             </a:r>
           </a:p>
           <a:p>
             <a:pPr lvl="1"/>
             <a:r>
-              <a:rPr lang="en-US" smtClean="0"/>
+              <a:rPr lang="en-US"/>
               <a:t>Second level</a:t>
             </a:r>
           </a:p>
           <a:p>
             <a:pPr lvl="2"/>
             <a:r>
-              <a:rPr lang="en-US" smtClean="0"/>
+              <a:rPr lang="en-US"/>
               <a:t>Third level</a:t>
             </a:r>
           </a:p>
           <a:p>
             <a:pPr lvl="3"/>
             <a:r>
-              <a:rPr lang="en-US" smtClean="0"/>
+              <a:rPr lang="en-US"/>
               <a:t>Fourth level</a:t>
             </a:r>
           </a:p>
           <a:p>
             <a:pPr lvl="4"/>
             <a:r>
-              <a:rPr lang="en-US" smtClean="0"/>
+              <a:rPr lang="en-US"/>
               <a:t>Fifth level</a:t>
             </a:r>
-            <a:endParaRPr lang="en-US"/>
           </a:p>
         </p:txBody>
       </p:sp>
@@ -409,7 +409,7 @@
           <a:p>
             <a:fld id="{BF3B26E7-6077-F542-8106-77FC5F04EDC0}" type="datetimeFigureOut">
               <a:rPr lang="en-US" smtClean="0"/>
-              <a:t>7/18/17</a:t>
+              <a:t>7/18/2017</a:t>
             </a:fld>
             <a:endParaRPr lang="en-US"/>
           </a:p>
@@ -508,10 +508,9 @@
           <a:lstStyle/>
           <a:p>
             <a:r>
-              <a:rPr lang="en-US" smtClean="0"/>
+              <a:rPr lang="en-US"/>
               <a:t>Click to edit Master title style</a:t>
             </a:r>
-            <a:endParaRPr lang="en-US"/>
           </a:p>
         </p:txBody>
       </p:sp>
@@ -537,38 +536,37 @@
           <a:p>
             <a:pPr lvl="0"/>
             <a:r>
-              <a:rPr lang="en-US" smtClean="0"/>
+              <a:rPr lang="en-US"/>
               <a:t>Click to edit Master text styles</a:t>
             </a:r>
           </a:p>
           <a:p>
             <a:pPr lvl="1"/>
             <a:r>
-              <a:rPr lang="en-US" smtClean="0"/>
+              <a:rPr lang="en-US"/>
               <a:t>Second level</a:t>
             </a:r>
           </a:p>
           <a:p>
             <a:pPr lvl="2"/>
             <a:r>
-              <a:rPr lang="en-US" smtClean="0"/>
+              <a:rPr lang="en-US"/>
               <a:t>Third level</a:t>
             </a:r>
           </a:p>
           <a:p>
             <a:pPr lvl="3"/>
             <a:r>
-              <a:rPr lang="en-US" smtClean="0"/>
+              <a:rPr lang="en-US"/>
               <a:t>Fourth level</a:t>
             </a:r>
           </a:p>
           <a:p>
             <a:pPr lvl="4"/>
             <a:r>
-              <a:rPr lang="en-US" smtClean="0"/>
+              <a:rPr lang="en-US"/>
               <a:t>Fifth level</a:t>
             </a:r>
-            <a:endParaRPr lang="en-US"/>
           </a:p>
         </p:txBody>
       </p:sp>
@@ -589,7 +587,7 @@
           <a:p>
             <a:fld id="{BF3B26E7-6077-F542-8106-77FC5F04EDC0}" type="datetimeFigureOut">
               <a:rPr lang="en-US" smtClean="0"/>
-              <a:t>7/18/17</a:t>
+              <a:t>7/18/2017</a:t>
             </a:fld>
             <a:endParaRPr lang="en-US"/>
           </a:p>
@@ -683,10 +681,9 @@
           <a:lstStyle/>
           <a:p>
             <a:r>
-              <a:rPr lang="en-US" smtClean="0"/>
+              <a:rPr lang="en-US"/>
               <a:t>Click to edit Master title style</a:t>
             </a:r>
-            <a:endParaRPr lang="en-US"/>
           </a:p>
         </p:txBody>
       </p:sp>
@@ -707,38 +704,37 @@
           <a:p>
             <a:pPr lvl="0"/>
             <a:r>
-              <a:rPr lang="en-US" smtClean="0"/>
+              <a:rPr lang="en-US"/>
               <a:t>Click to edit Master text styles</a:t>
             </a:r>
           </a:p>
           <a:p>
             <a:pPr lvl="1"/>
             <a:r>
-              <a:rPr lang="en-US" smtClean="0"/>
+              <a:rPr lang="en-US"/>
               <a:t>Second level</a:t>
             </a:r>
           </a:p>
           <a:p>
             <a:pPr lvl="2"/>
             <a:r>
-              <a:rPr lang="en-US" smtClean="0"/>
+              <a:rPr lang="en-US"/>
               <a:t>Third level</a:t>
             </a:r>
           </a:p>
           <a:p>
             <a:pPr lvl="3"/>
             <a:r>
-              <a:rPr lang="en-US" smtClean="0"/>
+              <a:rPr lang="en-US"/>
               <a:t>Fourth level</a:t>
             </a:r>
           </a:p>
           <a:p>
             <a:pPr lvl="4"/>
             <a:r>
-              <a:rPr lang="en-US" smtClean="0"/>
+              <a:rPr lang="en-US"/>
               <a:t>Fifth level</a:t>
             </a:r>
-            <a:endParaRPr lang="en-US"/>
           </a:p>
         </p:txBody>
       </p:sp>
@@ -759,7 +755,7 @@
           <a:p>
             <a:fld id="{BF3B26E7-6077-F542-8106-77FC5F04EDC0}" type="datetimeFigureOut">
               <a:rPr lang="en-US" smtClean="0"/>
-              <a:t>7/18/17</a:t>
+              <a:t>7/18/2017</a:t>
             </a:fld>
             <a:endParaRPr lang="en-US"/>
           </a:p>
@@ -862,10 +858,9 @@
           </a:lstStyle>
           <a:p>
             <a:r>
-              <a:rPr lang="en-US" smtClean="0"/>
+              <a:rPr lang="en-US"/>
               <a:t>Click to edit Master title style</a:t>
             </a:r>
-            <a:endParaRPr lang="en-US"/>
           </a:p>
         </p:txBody>
       </p:sp>
@@ -982,7 +977,7 @@
           <a:p>
             <a:pPr lvl="0"/>
             <a:r>
-              <a:rPr lang="en-US" smtClean="0"/>
+              <a:rPr lang="en-US"/>
               <a:t>Click to edit Master text styles</a:t>
             </a:r>
           </a:p>
@@ -1005,7 +1000,7 @@
           <a:p>
             <a:fld id="{BF3B26E7-6077-F542-8106-77FC5F04EDC0}" type="datetimeFigureOut">
               <a:rPr lang="en-US" smtClean="0"/>
-              <a:t>7/18/17</a:t>
+              <a:t>7/18/2017</a:t>
             </a:fld>
             <a:endParaRPr lang="en-US"/>
           </a:p>
@@ -1099,10 +1094,9 @@
           <a:lstStyle/>
           <a:p>
             <a:r>
-              <a:rPr lang="en-US" smtClean="0"/>
+              <a:rPr lang="en-US"/>
               <a:t>Click to edit Master title style</a:t>
             </a:r>
-            <a:endParaRPr lang="en-US"/>
           </a:p>
         </p:txBody>
       </p:sp>
@@ -1128,38 +1122,37 @@
           <a:p>
             <a:pPr lvl="0"/>
             <a:r>
-              <a:rPr lang="en-US" smtClean="0"/>
+              <a:rPr lang="en-US"/>
               <a:t>Click to edit Master text styles</a:t>
             </a:r>
           </a:p>
           <a:p>
             <a:pPr lvl="1"/>
             <a:r>
-              <a:rPr lang="en-US" smtClean="0"/>
+              <a:rPr lang="en-US"/>
               <a:t>Second level</a:t>
             </a:r>
           </a:p>
           <a:p>
             <a:pPr lvl="2"/>
             <a:r>
-              <a:rPr lang="en-US" smtClean="0"/>
+              <a:rPr lang="en-US"/>
               <a:t>Third level</a:t>
             </a:r>
           </a:p>
           <a:p>
             <a:pPr lvl="3"/>
             <a:r>
-              <a:rPr lang="en-US" smtClean="0"/>
+              <a:rPr lang="en-US"/>
               <a:t>Fourth level</a:t>
             </a:r>
           </a:p>
           <a:p>
             <a:pPr lvl="4"/>
             <a:r>
-              <a:rPr lang="en-US" smtClean="0"/>
+              <a:rPr lang="en-US"/>
               <a:t>Fifth level</a:t>
             </a:r>
-            <a:endParaRPr lang="en-US"/>
           </a:p>
         </p:txBody>
       </p:sp>
@@ -1185,38 +1178,37 @@
           <a:p>
             <a:pPr lvl="0"/>
             <a:r>
-              <a:rPr lang="en-US" smtClean="0"/>
+              <a:rPr lang="en-US"/>
               <a:t>Click to edit Master text styles</a:t>
             </a:r>
           </a:p>
           <a:p>
             <a:pPr lvl="1"/>
             <a:r>
-              <a:rPr lang="en-US" smtClean="0"/>
+              <a:rPr lang="en-US"/>
               <a:t>Second level</a:t>
             </a:r>
           </a:p>
           <a:p>
             <a:pPr lvl="2"/>
             <a:r>
-              <a:rPr lang="en-US" smtClean="0"/>
+              <a:rPr lang="en-US"/>
               <a:t>Third level</a:t>
             </a:r>
           </a:p>
           <a:p>
             <a:pPr lvl="3"/>
             <a:r>
-              <a:rPr lang="en-US" smtClean="0"/>
+              <a:rPr lang="en-US"/>
               <a:t>Fourth level</a:t>
             </a:r>
           </a:p>
           <a:p>
             <a:pPr lvl="4"/>
             <a:r>
-              <a:rPr lang="en-US" smtClean="0"/>
+              <a:rPr lang="en-US"/>
               <a:t>Fifth level</a:t>
             </a:r>
-            <a:endParaRPr lang="en-US"/>
           </a:p>
         </p:txBody>
       </p:sp>
@@ -1237,7 +1229,7 @@
           <a:p>
             <a:fld id="{BF3B26E7-6077-F542-8106-77FC5F04EDC0}" type="datetimeFigureOut">
               <a:rPr lang="en-US" smtClean="0"/>
-              <a:t>7/18/17</a:t>
+              <a:t>7/18/2017</a:t>
             </a:fld>
             <a:endParaRPr lang="en-US"/>
           </a:p>
@@ -1336,10 +1328,9 @@
           <a:lstStyle/>
           <a:p>
             <a:r>
-              <a:rPr lang="en-US" smtClean="0"/>
+              <a:rPr lang="en-US"/>
               <a:t>Click to edit Master title style</a:t>
             </a:r>
-            <a:endParaRPr lang="en-US"/>
           </a:p>
         </p:txBody>
       </p:sp>
@@ -1402,7 +1393,7 @@
           <a:p>
             <a:pPr lvl="0"/>
             <a:r>
-              <a:rPr lang="en-US" smtClean="0"/>
+              <a:rPr lang="en-US"/>
               <a:t>Click to edit Master text styles</a:t>
             </a:r>
           </a:p>
@@ -1430,38 +1421,37 @@
           <a:p>
             <a:pPr lvl="0"/>
             <a:r>
-              <a:rPr lang="en-US" smtClean="0"/>
+              <a:rPr lang="en-US"/>
               <a:t>Click to edit Master text styles</a:t>
             </a:r>
           </a:p>
           <a:p>
             <a:pPr lvl="1"/>
             <a:r>
-              <a:rPr lang="en-US" smtClean="0"/>
+              <a:rPr lang="en-US"/>
               <a:t>Second level</a:t>
             </a:r>
           </a:p>
           <a:p>
             <a:pPr lvl="2"/>
             <a:r>
-              <a:rPr lang="en-US" smtClean="0"/>
+              <a:rPr lang="en-US"/>
               <a:t>Third level</a:t>
             </a:r>
           </a:p>
           <a:p>
             <a:pPr lvl="3"/>
             <a:r>
-              <a:rPr lang="en-US" smtClean="0"/>
+              <a:rPr lang="en-US"/>
               <a:t>Fourth level</a:t>
             </a:r>
           </a:p>
           <a:p>
             <a:pPr lvl="4"/>
             <a:r>
-              <a:rPr lang="en-US" smtClean="0"/>
+              <a:rPr lang="en-US"/>
               <a:t>Fifth level</a:t>
             </a:r>
-            <a:endParaRPr lang="en-US"/>
           </a:p>
         </p:txBody>
       </p:sp>
@@ -1524,7 +1514,7 @@
           <a:p>
             <a:pPr lvl="0"/>
             <a:r>
-              <a:rPr lang="en-US" smtClean="0"/>
+              <a:rPr lang="en-US"/>
               <a:t>Click to edit Master text styles</a:t>
             </a:r>
           </a:p>
@@ -1552,38 +1542,37 @@
           <a:p>
             <a:pPr lvl="0"/>
             <a:r>
-              <a:rPr lang="en-US" smtClean="0"/>
+              <a:rPr lang="en-US"/>
               <a:t>Click to edit Master text styles</a:t>
             </a:r>
           </a:p>
           <a:p>
             <a:pPr lvl="1"/>
             <a:r>
-              <a:rPr lang="en-US" smtClean="0"/>
+              <a:rPr lang="en-US"/>
               <a:t>Second level</a:t>
             </a:r>
           </a:p>
           <a:p>
             <a:pPr lvl="2"/>
             <a:r>
-              <a:rPr lang="en-US" smtClean="0"/>
+              <a:rPr lang="en-US"/>
               <a:t>Third level</a:t>
             </a:r>
           </a:p>
           <a:p>
             <a:pPr lvl="3"/>
             <a:r>
-              <a:rPr lang="en-US" smtClean="0"/>
+              <a:rPr lang="en-US"/>
               <a:t>Fourth level</a:t>
             </a:r>
           </a:p>
           <a:p>
             <a:pPr lvl="4"/>
             <a:r>
-              <a:rPr lang="en-US" smtClean="0"/>
+              <a:rPr lang="en-US"/>
               <a:t>Fifth level</a:t>
             </a:r>
-            <a:endParaRPr lang="en-US"/>
           </a:p>
         </p:txBody>
       </p:sp>
@@ -1604,7 +1593,7 @@
           <a:p>
             <a:fld id="{BF3B26E7-6077-F542-8106-77FC5F04EDC0}" type="datetimeFigureOut">
               <a:rPr lang="en-US" smtClean="0"/>
-              <a:t>7/18/17</a:t>
+              <a:t>7/18/2017</a:t>
             </a:fld>
             <a:endParaRPr lang="en-US"/>
           </a:p>
@@ -1698,10 +1687,9 @@
           <a:lstStyle/>
           <a:p>
             <a:r>
-              <a:rPr lang="en-US" smtClean="0"/>
+              <a:rPr lang="en-US"/>
               <a:t>Click to edit Master title style</a:t>
             </a:r>
-            <a:endParaRPr lang="en-US"/>
           </a:p>
         </p:txBody>
       </p:sp>
@@ -1722,7 +1710,7 @@
           <a:p>
             <a:fld id="{BF3B26E7-6077-F542-8106-77FC5F04EDC0}" type="datetimeFigureOut">
               <a:rPr lang="en-US" smtClean="0"/>
-              <a:t>7/18/17</a:t>
+              <a:t>7/18/2017</a:t>
             </a:fld>
             <a:endParaRPr lang="en-US"/>
           </a:p>
@@ -1817,7 +1805,7 @@
           <a:p>
             <a:fld id="{BF3B26E7-6077-F542-8106-77FC5F04EDC0}" type="datetimeFigureOut">
               <a:rPr lang="en-US" smtClean="0"/>
-              <a:t>7/18/17</a:t>
+              <a:t>7/18/2017</a:t>
             </a:fld>
             <a:endParaRPr lang="en-US"/>
           </a:p>
@@ -1920,10 +1908,9 @@
           </a:lstStyle>
           <a:p>
             <a:r>
-              <a:rPr lang="en-US" smtClean="0"/>
+              <a:rPr lang="en-US"/>
               <a:t>Click to edit Master title style</a:t>
             </a:r>
-            <a:endParaRPr lang="en-US"/>
           </a:p>
         </p:txBody>
       </p:sp>
@@ -1977,38 +1964,37 @@
           <a:p>
             <a:pPr lvl="0"/>
             <a:r>
-              <a:rPr lang="en-US" smtClean="0"/>
+              <a:rPr lang="en-US"/>
               <a:t>Click to edit Master text styles</a:t>
             </a:r>
           </a:p>
           <a:p>
             <a:pPr lvl="1"/>
             <a:r>
-              <a:rPr lang="en-US" smtClean="0"/>
+              <a:rPr lang="en-US"/>
               <a:t>Second level</a:t>
             </a:r>
           </a:p>
           <a:p>
             <a:pPr lvl="2"/>
             <a:r>
-              <a:rPr lang="en-US" smtClean="0"/>
+              <a:rPr lang="en-US"/>
               <a:t>Third level</a:t>
             </a:r>
           </a:p>
           <a:p>
             <a:pPr lvl="3"/>
             <a:r>
-              <a:rPr lang="en-US" smtClean="0"/>
+              <a:rPr lang="en-US"/>
               <a:t>Fourth level</a:t>
             </a:r>
           </a:p>
           <a:p>
             <a:pPr lvl="4"/>
             <a:r>
-              <a:rPr lang="en-US" smtClean="0"/>
+              <a:rPr lang="en-US"/>
               <a:t>Fifth level</a:t>
             </a:r>
-            <a:endParaRPr lang="en-US"/>
           </a:p>
         </p:txBody>
       </p:sp>
@@ -2071,7 +2057,7 @@
           <a:p>
             <a:pPr lvl="0"/>
             <a:r>
-              <a:rPr lang="en-US" smtClean="0"/>
+              <a:rPr lang="en-US"/>
               <a:t>Click to edit Master text styles</a:t>
             </a:r>
           </a:p>
@@ -2094,7 +2080,7 @@
           <a:p>
             <a:fld id="{BF3B26E7-6077-F542-8106-77FC5F04EDC0}" type="datetimeFigureOut">
               <a:rPr lang="en-US" smtClean="0"/>
-              <a:t>7/18/17</a:t>
+              <a:t>7/18/2017</a:t>
             </a:fld>
             <a:endParaRPr lang="en-US"/>
           </a:p>
@@ -2197,10 +2183,9 @@
           </a:lstStyle>
           <a:p>
             <a:r>
-              <a:rPr lang="en-US" smtClean="0"/>
+              <a:rPr lang="en-US"/>
               <a:t>Click to edit Master title style</a:t>
             </a:r>
-            <a:endParaRPr lang="en-US"/>
           </a:p>
         </p:txBody>
       </p:sp>
@@ -2324,7 +2309,7 @@
           <a:p>
             <a:pPr lvl="0"/>
             <a:r>
-              <a:rPr lang="en-US" smtClean="0"/>
+              <a:rPr lang="en-US"/>
               <a:t>Click to edit Master text styles</a:t>
             </a:r>
           </a:p>
@@ -2347,7 +2332,7 @@
           <a:p>
             <a:fld id="{BF3B26E7-6077-F542-8106-77FC5F04EDC0}" type="datetimeFigureOut">
               <a:rPr lang="en-US" smtClean="0"/>
-              <a:t>7/18/17</a:t>
+              <a:t>7/18/2017</a:t>
             </a:fld>
             <a:endParaRPr lang="en-US"/>
           </a:p>
@@ -2456,10 +2441,9 @@
           <a:lstStyle/>
           <a:p>
             <a:r>
-              <a:rPr lang="en-US" smtClean="0"/>
+              <a:rPr lang="en-US"/>
               <a:t>Click to edit Master title style</a:t>
             </a:r>
-            <a:endParaRPr lang="en-US"/>
           </a:p>
         </p:txBody>
       </p:sp>
@@ -2490,38 +2474,37 @@
           <a:p>
             <a:pPr lvl="0"/>
             <a:r>
-              <a:rPr lang="en-US" smtClean="0"/>
+              <a:rPr lang="en-US"/>
               <a:t>Click to edit Master text styles</a:t>
             </a:r>
           </a:p>
           <a:p>
             <a:pPr lvl="1"/>
             <a:r>
-              <a:rPr lang="en-US" smtClean="0"/>
+              <a:rPr lang="en-US"/>
               <a:t>Second level</a:t>
             </a:r>
           </a:p>
           <a:p>
             <a:pPr lvl="2"/>
             <a:r>
-              <a:rPr lang="en-US" smtClean="0"/>
+              <a:rPr lang="en-US"/>
               <a:t>Third level</a:t>
             </a:r>
           </a:p>
           <a:p>
             <a:pPr lvl="3"/>
             <a:r>
-              <a:rPr lang="en-US" smtClean="0"/>
+              <a:rPr lang="en-US"/>
               <a:t>Fourth level</a:t>
             </a:r>
           </a:p>
           <a:p>
             <a:pPr lvl="4"/>
             <a:r>
-              <a:rPr lang="en-US" smtClean="0"/>
+              <a:rPr lang="en-US"/>
               <a:t>Fifth level</a:t>
             </a:r>
-            <a:endParaRPr lang="en-US"/>
           </a:p>
         </p:txBody>
       </p:sp>
@@ -2560,7 +2543,7 @@
           <a:p>
             <a:fld id="{BF3B26E7-6077-F542-8106-77FC5F04EDC0}" type="datetimeFigureOut">
               <a:rPr lang="en-US" smtClean="0"/>
-              <a:t>7/18/17</a:t>
+              <a:t>7/18/2017</a:t>
             </a:fld>
             <a:endParaRPr lang="en-US"/>
           </a:p>
@@ -2967,82 +2950,713 @@
       </p:grpSpPr>
       <p:sp>
         <p:nvSpPr>
-          <p:cNvPr id="2" name="Title 1"/>
-          <p:cNvSpPr>
-            <a:spLocks noGrp="1"/>
-          </p:cNvSpPr>
-          <p:nvPr>
-            <p:ph type="ctrTitle"/>
-          </p:nvPr>
-        </p:nvSpPr>
-        <p:spPr/>
-        <p:txBody>
-          <a:bodyPr/>
-          <a:lstStyle/>
-          <a:p>
-            <a:endParaRPr lang="en-US"/>
-          </a:p>
-        </p:txBody>
-      </p:sp>
-      <p:sp>
-        <p:nvSpPr>
-          <p:cNvPr id="3" name="Subtitle 2"/>
-          <p:cNvSpPr>
-            <a:spLocks noGrp="1"/>
-          </p:cNvSpPr>
-          <p:nvPr>
-            <p:ph type="subTitle" idx="1"/>
-          </p:nvPr>
-        </p:nvSpPr>
-        <p:spPr/>
-        <p:txBody>
-          <a:bodyPr/>
-          <a:lstStyle/>
-          <a:p>
-            <a:endParaRPr lang="en-US"/>
-          </a:p>
-        </p:txBody>
-      </p:sp>
-    </p:spTree>
-    <p:extLst>
-      <p:ext uri="{BB962C8B-B14F-4D97-AF65-F5344CB8AC3E}">
-        <p14:creationId xmlns:p14="http://schemas.microsoft.com/office/powerpoint/2010/main" val="274691140"/>
-      </p:ext>
-    </p:extLst>
-  </p:cSld>
-  <p:clrMapOvr>
-    <a:masterClrMapping/>
-  </p:clrMapOvr>
-</p:sld>
-</file>
-
-<file path=ppt/slides/slide2.xml><?xml version="1.0" encoding="utf-8"?>
-<p:sld xmlns:a="http://schemas.openxmlformats.org/drawingml/2006/main" xmlns:r="http://schemas.openxmlformats.org/officeDocument/2006/relationships" xmlns:p="http://schemas.openxmlformats.org/presentationml/2006/main">
-  <p:cSld>
-    <p:spTree>
-      <p:nvGrpSpPr>
-        <p:cNvPr id="1" name=""/>
-        <p:cNvGrpSpPr/>
-        <p:nvPr/>
-      </p:nvGrpSpPr>
-      <p:grpSpPr>
-        <a:xfrm>
-          <a:off x="0" y="0"/>
-          <a:ext cx="0" cy="0"/>
-          <a:chOff x="0" y="0"/>
-          <a:chExt cx="0" cy="0"/>
-        </a:xfrm>
-      </p:grpSpPr>
-      <p:sp>
-        <p:nvSpPr>
-          <p:cNvPr id="4" name="TextBox 3"/>
+          <p:cNvPr id="6" name="TextBox 5"/>
           <p:cNvSpPr txBox="1"/>
           <p:nvPr/>
         </p:nvSpPr>
         <p:spPr>
           <a:xfrm>
-            <a:off x="6611009" y="1828800"/>
+            <a:off x="6477017" y="4444408"/>
+            <a:ext cx="1718740" cy="369332"/>
+          </a:xfrm>
+          <a:prstGeom prst="rect">
+            <a:avLst/>
+          </a:prstGeom>
+          <a:solidFill>
+            <a:schemeClr val="accent2">
+              <a:lumMod val="60000"/>
+              <a:lumOff val="40000"/>
+            </a:schemeClr>
+          </a:solidFill>
+          <a:ln>
+            <a:solidFill>
+              <a:schemeClr val="accent1"/>
+            </a:solidFill>
+          </a:ln>
+        </p:spPr>
+        <p:txBody>
+          <a:bodyPr wrap="none" rtlCol="0">
+            <a:spAutoFit/>
+          </a:bodyPr>
+          <a:lstStyle/>
+          <a:p>
+            <a:r>
+              <a:rPr lang="en-US" dirty="0" err="1">
+                <a:latin typeface="Meslo LG L DZ for Powerline RegularForPowerline" charset="0"/>
+                <a:ea typeface="Meslo LG L DZ for Powerline RegularForPowerline" charset="0"/>
+                <a:cs typeface="Meslo LG L DZ for Powerline RegularForPowerline" charset="0"/>
+              </a:rPr>
+              <a:t>extractData</a:t>
+            </a:r>
+            <a:endParaRPr lang="en-US" dirty="0">
+              <a:latin typeface="Meslo LG L DZ for Powerline RegularForPowerline" charset="0"/>
+              <a:ea typeface="Meslo LG L DZ for Powerline RegularForPowerline" charset="0"/>
+              <a:cs typeface="Meslo LG L DZ for Powerline RegularForPowerline" charset="0"/>
+            </a:endParaRPr>
+          </a:p>
+        </p:txBody>
+      </p:sp>
+      <p:sp>
+        <p:nvSpPr>
+          <p:cNvPr id="7" name="TextBox 6"/>
+          <p:cNvSpPr txBox="1"/>
+          <p:nvPr/>
+        </p:nvSpPr>
+        <p:spPr>
+          <a:xfrm>
+            <a:off x="7060775" y="4939130"/>
             <a:ext cx="1858201" cy="369332"/>
+          </a:xfrm>
+          <a:prstGeom prst="rect">
+            <a:avLst/>
+          </a:prstGeom>
+          <a:solidFill>
+            <a:schemeClr val="accent6">
+              <a:lumMod val="60000"/>
+              <a:lumOff val="40000"/>
+            </a:schemeClr>
+          </a:solidFill>
+          <a:ln>
+            <a:solidFill>
+              <a:schemeClr val="accent6">
+                <a:lumMod val="75000"/>
+              </a:schemeClr>
+            </a:solidFill>
+          </a:ln>
+        </p:spPr>
+        <p:txBody>
+          <a:bodyPr wrap="none" rtlCol="0">
+            <a:spAutoFit/>
+          </a:bodyPr>
+          <a:lstStyle/>
+          <a:p>
+            <a:r>
+              <a:rPr lang="en-US" dirty="0" err="1">
+                <a:latin typeface="Meslo LG L DZ for Powerline RegularForPowerline" charset="0"/>
+                <a:ea typeface="Meslo LG L DZ for Powerline RegularForPowerline" charset="0"/>
+                <a:cs typeface="Meslo LG L DZ for Powerline RegularForPowerline" charset="0"/>
+              </a:rPr>
+              <a:t>applyFilters</a:t>
+            </a:r>
+            <a:endParaRPr lang="en-US" dirty="0">
+              <a:latin typeface="Meslo LG L DZ for Powerline RegularForPowerline" charset="0"/>
+              <a:ea typeface="Meslo LG L DZ for Powerline RegularForPowerline" charset="0"/>
+              <a:cs typeface="Meslo LG L DZ for Powerline RegularForPowerline" charset="0"/>
+            </a:endParaRPr>
+          </a:p>
+        </p:txBody>
+      </p:sp>
+      <p:sp>
+        <p:nvSpPr>
+          <p:cNvPr id="8" name="TextBox 7"/>
+          <p:cNvSpPr txBox="1"/>
+          <p:nvPr/>
+        </p:nvSpPr>
+        <p:spPr>
+          <a:xfrm>
+            <a:off x="7398481" y="5449955"/>
+            <a:ext cx="2555508" cy="369332"/>
+          </a:xfrm>
+          <a:prstGeom prst="rect">
+            <a:avLst/>
+          </a:prstGeom>
+          <a:solidFill>
+            <a:schemeClr val="accent4">
+              <a:lumMod val="60000"/>
+              <a:lumOff val="40000"/>
+            </a:schemeClr>
+          </a:solidFill>
+          <a:ln>
+            <a:solidFill>
+              <a:schemeClr val="accent4">
+                <a:lumMod val="75000"/>
+              </a:schemeClr>
+            </a:solidFill>
+          </a:ln>
+        </p:spPr>
+        <p:txBody>
+          <a:bodyPr wrap="none" rtlCol="0">
+            <a:spAutoFit/>
+          </a:bodyPr>
+          <a:lstStyle/>
+          <a:p>
+            <a:r>
+              <a:rPr lang="en-US" dirty="0" err="1">
+                <a:latin typeface="Meslo LG L DZ for Powerline RegularForPowerline" charset="0"/>
+                <a:ea typeface="Meslo LG L DZ for Powerline RegularForPowerline" charset="0"/>
+                <a:cs typeface="Meslo LG L DZ for Powerline RegularForPowerline" charset="0"/>
+              </a:rPr>
+              <a:t>filterEarthquakes</a:t>
+            </a:r>
+            <a:endParaRPr lang="en-US" dirty="0">
+              <a:latin typeface="Meslo LG L DZ for Powerline RegularForPowerline" charset="0"/>
+              <a:ea typeface="Meslo LG L DZ for Powerline RegularForPowerline" charset="0"/>
+              <a:cs typeface="Meslo LG L DZ for Powerline RegularForPowerline" charset="0"/>
+            </a:endParaRPr>
+          </a:p>
+        </p:txBody>
+      </p:sp>
+      <p:sp>
+        <p:nvSpPr>
+          <p:cNvPr id="9" name="TextBox 8"/>
+          <p:cNvSpPr txBox="1"/>
+          <p:nvPr/>
+        </p:nvSpPr>
+        <p:spPr>
+          <a:xfrm>
+            <a:off x="7398481" y="5960780"/>
+            <a:ext cx="2555508" cy="369332"/>
+          </a:xfrm>
+          <a:prstGeom prst="rect">
+            <a:avLst/>
+          </a:prstGeom>
+          <a:solidFill>
+            <a:schemeClr val="accent5">
+              <a:lumMod val="40000"/>
+              <a:lumOff val="60000"/>
+            </a:schemeClr>
+          </a:solidFill>
+          <a:ln>
+            <a:solidFill>
+              <a:schemeClr val="accent2">
+                <a:lumMod val="60000"/>
+                <a:lumOff val="40000"/>
+              </a:schemeClr>
+            </a:solidFill>
+          </a:ln>
+        </p:spPr>
+        <p:txBody>
+          <a:bodyPr wrap="square" rtlCol="0">
+            <a:spAutoFit/>
+          </a:bodyPr>
+          <a:lstStyle/>
+          <a:p>
+            <a:r>
+              <a:rPr lang="en-US" dirty="0" err="1">
+                <a:latin typeface="Meslo LG L DZ for Powerline RegularForPowerline" charset="0"/>
+                <a:ea typeface="Meslo LG L DZ for Powerline RegularForPowerline" charset="0"/>
+                <a:cs typeface="Meslo LG L DZ for Powerline RegularForPowerline" charset="0"/>
+              </a:rPr>
+              <a:t>groupByMagnitude</a:t>
+            </a:r>
+            <a:endParaRPr lang="en-US" dirty="0">
+              <a:latin typeface="Meslo LG L DZ for Powerline RegularForPowerline" charset="0"/>
+              <a:ea typeface="Meslo LG L DZ for Powerline RegularForPowerline" charset="0"/>
+              <a:cs typeface="Meslo LG L DZ for Powerline RegularForPowerline" charset="0"/>
+            </a:endParaRPr>
+          </a:p>
+        </p:txBody>
+      </p:sp>
+      <p:sp>
+        <p:nvSpPr>
+          <p:cNvPr id="10" name="TextBox 9"/>
+          <p:cNvSpPr txBox="1"/>
+          <p:nvPr/>
+        </p:nvSpPr>
+        <p:spPr>
+          <a:xfrm>
+            <a:off x="1686910" y="2754439"/>
+            <a:ext cx="1483098" cy="523220"/>
+          </a:xfrm>
+          <a:prstGeom prst="rect">
+            <a:avLst/>
+          </a:prstGeom>
+          <a:solidFill>
+            <a:schemeClr val="bg1">
+              <a:lumMod val="65000"/>
+            </a:schemeClr>
+          </a:solidFill>
+          <a:ln>
+            <a:solidFill>
+              <a:schemeClr val="accent2">
+                <a:lumMod val="60000"/>
+                <a:lumOff val="40000"/>
+              </a:schemeClr>
+            </a:solidFill>
+          </a:ln>
+        </p:spPr>
+        <p:txBody>
+          <a:bodyPr wrap="none" rtlCol="0">
+            <a:spAutoFit/>
+          </a:bodyPr>
+          <a:lstStyle/>
+          <a:p>
+            <a:r>
+              <a:rPr lang="en-US" sz="2800" dirty="0" err="1">
+                <a:latin typeface="Meslo LG L DZ for Powerline RegularForPowerline" charset="0"/>
+                <a:ea typeface="Meslo LG L DZ for Powerline RegularForPowerline" charset="0"/>
+                <a:cs typeface="Meslo LG L DZ for Powerline RegularForPowerline" charset="0"/>
+              </a:rPr>
+              <a:t>mainJS</a:t>
+            </a:r>
+            <a:endParaRPr lang="en-US" dirty="0">
+              <a:latin typeface="Meslo LG L DZ for Powerline RegularForPowerline" charset="0"/>
+              <a:ea typeface="Meslo LG L DZ for Powerline RegularForPowerline" charset="0"/>
+              <a:cs typeface="Meslo LG L DZ for Powerline RegularForPowerline" charset="0"/>
+            </a:endParaRPr>
+          </a:p>
+        </p:txBody>
+      </p:sp>
+      <p:grpSp>
+        <p:nvGrpSpPr>
+          <p:cNvPr id="3" name="Group 2"/>
+          <p:cNvGrpSpPr/>
+          <p:nvPr/>
+        </p:nvGrpSpPr>
+        <p:grpSpPr>
+          <a:xfrm>
+            <a:off x="6477017" y="3455626"/>
+            <a:ext cx="2936147" cy="847289"/>
+            <a:chOff x="5226341" y="716727"/>
+            <a:chExt cx="2936147" cy="847289"/>
+          </a:xfrm>
+        </p:grpSpPr>
+        <p:sp>
+          <p:nvSpPr>
+            <p:cNvPr id="2" name="Rectangle 1"/>
+            <p:cNvSpPr/>
+            <p:nvPr/>
+          </p:nvSpPr>
+          <p:spPr>
+            <a:xfrm>
+              <a:off x="5226341" y="716727"/>
+              <a:ext cx="2936147" cy="847289"/>
+            </a:xfrm>
+            <a:prstGeom prst="rect">
+              <a:avLst/>
+            </a:prstGeom>
+          </p:spPr>
+          <p:style>
+            <a:lnRef idx="1">
+              <a:schemeClr val="accent1"/>
+            </a:lnRef>
+            <a:fillRef idx="2">
+              <a:schemeClr val="accent1"/>
+            </a:fillRef>
+            <a:effectRef idx="1">
+              <a:schemeClr val="accent1"/>
+            </a:effectRef>
+            <a:fontRef idx="minor">
+              <a:schemeClr val="dk1"/>
+            </a:fontRef>
+          </p:style>
+          <p:txBody>
+            <a:bodyPr rtlCol="0" anchor="ctr"/>
+            <a:lstStyle/>
+            <a:p>
+              <a:pPr algn="ctr"/>
+              <a:endParaRPr lang="es-ES"/>
+            </a:p>
+          </p:txBody>
+        </p:sp>
+        <p:sp>
+          <p:nvSpPr>
+            <p:cNvPr id="4" name="TextBox 3"/>
+            <p:cNvSpPr txBox="1"/>
+            <p:nvPr/>
+          </p:nvSpPr>
+          <p:spPr>
+            <a:xfrm>
+              <a:off x="5307148" y="733505"/>
+              <a:ext cx="1858201" cy="369332"/>
+            </a:xfrm>
+            <a:prstGeom prst="rect">
+              <a:avLst/>
+            </a:prstGeom>
+            <a:noFill/>
+          </p:spPr>
+          <p:txBody>
+            <a:bodyPr wrap="none" rtlCol="0">
+              <a:spAutoFit/>
+            </a:bodyPr>
+            <a:lstStyle/>
+            <a:p>
+              <a:r>
+                <a:rPr lang="en-US" dirty="0" err="1">
+                  <a:latin typeface="Meslo LG L DZ for Powerline RegularForPowerline" charset="0"/>
+                  <a:ea typeface="Meslo LG L DZ for Powerline RegularForPowerline" charset="0"/>
+                  <a:cs typeface="Meslo LG L DZ for Powerline RegularForPowerline" charset="0"/>
+                </a:rPr>
+                <a:t>httpGetAsync</a:t>
+              </a:r>
+              <a:endParaRPr lang="en-US" dirty="0">
+                <a:latin typeface="Meslo LG L DZ for Powerline RegularForPowerline" charset="0"/>
+                <a:ea typeface="Meslo LG L DZ for Powerline RegularForPowerline" charset="0"/>
+                <a:cs typeface="Meslo LG L DZ for Powerline RegularForPowerline" charset="0"/>
+              </a:endParaRPr>
+            </a:p>
+          </p:txBody>
+        </p:sp>
+        <p:sp>
+          <p:nvSpPr>
+            <p:cNvPr id="5" name="TextBox 4"/>
+            <p:cNvSpPr txBox="1"/>
+            <p:nvPr/>
+          </p:nvSpPr>
+          <p:spPr>
+            <a:xfrm>
+              <a:off x="5706819" y="1069191"/>
+              <a:ext cx="1718740" cy="369332"/>
+            </a:xfrm>
+            <a:prstGeom prst="rect">
+              <a:avLst/>
+            </a:prstGeom>
+            <a:noFill/>
+          </p:spPr>
+          <p:txBody>
+            <a:bodyPr wrap="none" rtlCol="0">
+              <a:spAutoFit/>
+            </a:bodyPr>
+            <a:lstStyle/>
+            <a:p>
+              <a:r>
+                <a:rPr lang="en-US" dirty="0" err="1">
+                  <a:latin typeface="Meslo LG L DZ for Powerline RegularForPowerline" charset="0"/>
+                  <a:ea typeface="Meslo LG L DZ for Powerline RegularForPowerline" charset="0"/>
+                  <a:cs typeface="Meslo LG L DZ for Powerline RegularForPowerline" charset="0"/>
+                </a:rPr>
+                <a:t>httpRequest</a:t>
+              </a:r>
+              <a:endParaRPr lang="en-US" dirty="0">
+                <a:latin typeface="Meslo LG L DZ for Powerline RegularForPowerline" charset="0"/>
+                <a:ea typeface="Meslo LG L DZ for Powerline RegularForPowerline" charset="0"/>
+                <a:cs typeface="Meslo LG L DZ for Powerline RegularForPowerline" charset="0"/>
+              </a:endParaRPr>
+            </a:p>
+          </p:txBody>
+        </p:sp>
+      </p:grpSp>
+      <p:sp>
+        <p:nvSpPr>
+          <p:cNvPr id="11" name="Arrow: Right 10"/>
+          <p:cNvSpPr/>
+          <p:nvPr/>
+        </p:nvSpPr>
+        <p:spPr>
+          <a:xfrm>
+            <a:off x="635737" y="2874159"/>
+            <a:ext cx="851338" cy="283779"/>
+          </a:xfrm>
+          <a:prstGeom prst="rightArrow">
+            <a:avLst/>
+          </a:prstGeom>
+        </p:spPr>
+        <p:style>
+          <a:lnRef idx="1">
+            <a:schemeClr val="accent1"/>
+          </a:lnRef>
+          <a:fillRef idx="3">
+            <a:schemeClr val="accent1"/>
+          </a:fillRef>
+          <a:effectRef idx="2">
+            <a:schemeClr val="accent1"/>
+          </a:effectRef>
+          <a:fontRef idx="minor">
+            <a:schemeClr val="lt1"/>
+          </a:fontRef>
+        </p:style>
+        <p:txBody>
+          <a:bodyPr rtlCol="0" anchor="ctr"/>
+          <a:lstStyle/>
+          <a:p>
+            <a:pPr algn="ctr"/>
+            <a:endParaRPr lang="es-ES"/>
+          </a:p>
+        </p:txBody>
+      </p:sp>
+      <p:grpSp>
+        <p:nvGrpSpPr>
+          <p:cNvPr id="12" name="Group 11"/>
+          <p:cNvGrpSpPr/>
+          <p:nvPr/>
+        </p:nvGrpSpPr>
+        <p:grpSpPr>
+          <a:xfrm>
+            <a:off x="2154666" y="3438016"/>
+            <a:ext cx="1944442" cy="377240"/>
+            <a:chOff x="5226342" y="716728"/>
+            <a:chExt cx="1944442" cy="483543"/>
+          </a:xfrm>
+        </p:grpSpPr>
+        <p:sp>
+          <p:nvSpPr>
+            <p:cNvPr id="13" name="Rectangle 12"/>
+            <p:cNvSpPr/>
+            <p:nvPr/>
+          </p:nvSpPr>
+          <p:spPr>
+            <a:xfrm>
+              <a:off x="5226342" y="716728"/>
+              <a:ext cx="1713142" cy="483543"/>
+            </a:xfrm>
+            <a:prstGeom prst="rect">
+              <a:avLst/>
+            </a:prstGeom>
+          </p:spPr>
+          <p:style>
+            <a:lnRef idx="1">
+              <a:schemeClr val="accent1"/>
+            </a:lnRef>
+            <a:fillRef idx="2">
+              <a:schemeClr val="accent1"/>
+            </a:fillRef>
+            <a:effectRef idx="1">
+              <a:schemeClr val="accent1"/>
+            </a:effectRef>
+            <a:fontRef idx="minor">
+              <a:schemeClr val="dk1"/>
+            </a:fontRef>
+          </p:style>
+          <p:txBody>
+            <a:bodyPr rtlCol="0" anchor="ctr"/>
+            <a:lstStyle/>
+            <a:p>
+              <a:pPr algn="ctr"/>
+              <a:endParaRPr lang="es-ES"/>
+            </a:p>
+          </p:txBody>
+        </p:sp>
+        <p:sp>
+          <p:nvSpPr>
+            <p:cNvPr id="14" name="TextBox 13"/>
+            <p:cNvSpPr txBox="1"/>
+            <p:nvPr/>
+          </p:nvSpPr>
+          <p:spPr>
+            <a:xfrm>
+              <a:off x="5312583" y="716728"/>
+              <a:ext cx="1858201" cy="369332"/>
+            </a:xfrm>
+            <a:prstGeom prst="rect">
+              <a:avLst/>
+            </a:prstGeom>
+            <a:noFill/>
+          </p:spPr>
+          <p:txBody>
+            <a:bodyPr wrap="none" rtlCol="0">
+              <a:spAutoFit/>
+            </a:bodyPr>
+            <a:lstStyle/>
+            <a:p>
+              <a:r>
+                <a:rPr lang="en-US" dirty="0" err="1">
+                  <a:latin typeface="Meslo LG L DZ for Powerline RegularForPowerline" charset="0"/>
+                  <a:ea typeface="Meslo LG L DZ for Powerline RegularForPowerline" charset="0"/>
+                  <a:cs typeface="Meslo LG L DZ for Powerline RegularForPowerline" charset="0"/>
+                </a:rPr>
+                <a:t>httpGetAsync</a:t>
+              </a:r>
+              <a:endParaRPr lang="en-US" dirty="0">
+                <a:latin typeface="Meslo LG L DZ for Powerline RegularForPowerline" charset="0"/>
+                <a:ea typeface="Meslo LG L DZ for Powerline RegularForPowerline" charset="0"/>
+                <a:cs typeface="Meslo LG L DZ for Powerline RegularForPowerline" charset="0"/>
+              </a:endParaRPr>
+            </a:p>
+          </p:txBody>
+        </p:sp>
+      </p:grpSp>
+      <p:sp>
+        <p:nvSpPr>
+          <p:cNvPr id="16" name="Arrow: Right 15"/>
+          <p:cNvSpPr/>
+          <p:nvPr/>
+        </p:nvSpPr>
+        <p:spPr>
+          <a:xfrm>
+            <a:off x="5466247" y="3584263"/>
+            <a:ext cx="851338" cy="283779"/>
+          </a:xfrm>
+          <a:prstGeom prst="rightArrow">
+            <a:avLst/>
+          </a:prstGeom>
+        </p:spPr>
+        <p:style>
+          <a:lnRef idx="1">
+            <a:schemeClr val="accent2"/>
+          </a:lnRef>
+          <a:fillRef idx="3">
+            <a:schemeClr val="accent2"/>
+          </a:fillRef>
+          <a:effectRef idx="2">
+            <a:schemeClr val="accent2"/>
+          </a:effectRef>
+          <a:fontRef idx="minor">
+            <a:schemeClr val="lt1"/>
+          </a:fontRef>
+        </p:style>
+        <p:txBody>
+          <a:bodyPr rtlCol="0" anchor="ctr"/>
+          <a:lstStyle/>
+          <a:p>
+            <a:pPr algn="ctr"/>
+            <a:endParaRPr lang="es-ES"/>
+          </a:p>
+        </p:txBody>
+      </p:sp>
+      <p:sp>
+        <p:nvSpPr>
+          <p:cNvPr id="17" name="TextBox 16"/>
+          <p:cNvSpPr txBox="1"/>
+          <p:nvPr/>
+        </p:nvSpPr>
+        <p:spPr>
+          <a:xfrm>
+            <a:off x="2149068" y="3993002"/>
+            <a:ext cx="1718740" cy="369332"/>
+          </a:xfrm>
+          <a:prstGeom prst="rect">
+            <a:avLst/>
+          </a:prstGeom>
+          <a:solidFill>
+            <a:schemeClr val="accent2">
+              <a:lumMod val="60000"/>
+              <a:lumOff val="40000"/>
+            </a:schemeClr>
+          </a:solidFill>
+          <a:ln>
+            <a:solidFill>
+              <a:schemeClr val="accent1"/>
+            </a:solidFill>
+          </a:ln>
+        </p:spPr>
+        <p:txBody>
+          <a:bodyPr wrap="square" rtlCol="0">
+            <a:spAutoFit/>
+          </a:bodyPr>
+          <a:lstStyle/>
+          <a:p>
+            <a:r>
+              <a:rPr lang="en-US" dirty="0">
+                <a:latin typeface="Meslo LG L DZ for Powerline RegularForPowerline" charset="0"/>
+                <a:ea typeface="Meslo LG L DZ for Powerline RegularForPowerline" charset="0"/>
+                <a:cs typeface="Meslo LG L DZ for Powerline RegularForPowerline" charset="0"/>
+              </a:rPr>
+              <a:t>Console.log</a:t>
+            </a:r>
+          </a:p>
+        </p:txBody>
+      </p:sp>
+      <p:sp>
+        <p:nvSpPr>
+          <p:cNvPr id="18" name="Cloud 17"/>
+          <p:cNvSpPr/>
+          <p:nvPr/>
+        </p:nvSpPr>
+        <p:spPr>
+          <a:xfrm>
+            <a:off x="7995340" y="263046"/>
+            <a:ext cx="3152824" cy="1215025"/>
+          </a:xfrm>
+          <a:prstGeom prst="cloud">
+            <a:avLst/>
+          </a:prstGeom>
+          <a:noFill/>
+        </p:spPr>
+        <p:style>
+          <a:lnRef idx="2">
+            <a:schemeClr val="accent1">
+              <a:shade val="50000"/>
+            </a:schemeClr>
+          </a:lnRef>
+          <a:fillRef idx="1">
+            <a:schemeClr val="accent1"/>
+          </a:fillRef>
+          <a:effectRef idx="0">
+            <a:schemeClr val="accent1"/>
+          </a:effectRef>
+          <a:fontRef idx="minor">
+            <a:schemeClr val="lt1"/>
+          </a:fontRef>
+        </p:style>
+        <p:txBody>
+          <a:bodyPr rtlCol="0" anchor="ctr"/>
+          <a:lstStyle/>
+          <a:p>
+            <a:pPr algn="ctr"/>
+            <a:endParaRPr lang="es-ES"/>
+          </a:p>
+        </p:txBody>
+      </p:sp>
+      <p:cxnSp>
+        <p:nvCxnSpPr>
+          <p:cNvPr id="31" name="Connector: Elbow 30"/>
+          <p:cNvCxnSpPr/>
+          <p:nvPr/>
+        </p:nvCxnSpPr>
+        <p:spPr>
+          <a:xfrm rot="5400000" flipH="1" flipV="1">
+            <a:off x="7378720" y="2452747"/>
+            <a:ext cx="2577561" cy="502951"/>
+          </a:xfrm>
+          <a:prstGeom prst="bentConnector3">
+            <a:avLst>
+              <a:gd name="adj1" fmla="val -54"/>
+            </a:avLst>
+          </a:prstGeom>
+          <a:ln>
+            <a:tailEnd type="triangle"/>
+          </a:ln>
+        </p:spPr>
+        <p:style>
+          <a:lnRef idx="1">
+            <a:schemeClr val="accent1"/>
+          </a:lnRef>
+          <a:fillRef idx="0">
+            <a:schemeClr val="accent1"/>
+          </a:fillRef>
+          <a:effectRef idx="0">
+            <a:schemeClr val="accent1"/>
+          </a:effectRef>
+          <a:fontRef idx="minor">
+            <a:schemeClr val="tx1"/>
+          </a:fontRef>
+        </p:style>
+      </p:cxnSp>
+      <p:cxnSp>
+        <p:nvCxnSpPr>
+          <p:cNvPr id="35" name="Connector: Elbow 34"/>
+          <p:cNvCxnSpPr/>
+          <p:nvPr/>
+        </p:nvCxnSpPr>
+        <p:spPr>
+          <a:xfrm rot="5400000">
+            <a:off x="7854486" y="2039610"/>
+            <a:ext cx="2514932" cy="1391854"/>
+          </a:xfrm>
+          <a:prstGeom prst="bentConnector3">
+            <a:avLst>
+              <a:gd name="adj1" fmla="val 100305"/>
+            </a:avLst>
+          </a:prstGeom>
+          <a:ln>
+            <a:tailEnd type="triangle"/>
+          </a:ln>
+        </p:spPr>
+        <p:style>
+          <a:lnRef idx="1">
+            <a:schemeClr val="accent1"/>
+          </a:lnRef>
+          <a:fillRef idx="0">
+            <a:schemeClr val="accent1"/>
+          </a:fillRef>
+          <a:effectRef idx="0">
+            <a:schemeClr val="accent1"/>
+          </a:effectRef>
+          <a:fontRef idx="minor">
+            <a:schemeClr val="tx1"/>
+          </a:fontRef>
+        </p:style>
+      </p:cxnSp>
+      <p:sp>
+        <p:nvSpPr>
+          <p:cNvPr id="37" name="TextBox 36"/>
+          <p:cNvSpPr txBox="1"/>
+          <p:nvPr/>
+        </p:nvSpPr>
+        <p:spPr>
+          <a:xfrm>
+            <a:off x="2428459" y="4411233"/>
+            <a:ext cx="1933093" cy="369332"/>
           </a:xfrm>
           <a:prstGeom prst="rect">
             <a:avLst/>
@@ -3056,245 +3670,21 @@
           <a:lstStyle/>
           <a:p>
             <a:r>
-              <a:rPr lang="en-US" dirty="0" err="1" smtClean="0">
-                <a:latin typeface="Meslo LG L DZ for Powerline RegularForPowerline" charset="0"/>
-                <a:ea typeface="Meslo LG L DZ for Powerline RegularForPowerline" charset="0"/>
-                <a:cs typeface="Meslo LG L DZ for Powerline RegularForPowerline" charset="0"/>
+              <a:rPr lang="es-ES" dirty="0"/>
+              <a:t>Output: </a:t>
+            </a:r>
+            <a:r>
+              <a:rPr lang="es-ES" dirty="0" err="1">
+                <a:solidFill>
+                  <a:srgbClr val="C00000"/>
+                </a:solidFill>
               </a:rPr>
-              <a:t>httpGetAsync</a:t>
-            </a:r>
-            <a:endParaRPr lang="en-US" dirty="0">
-              <a:latin typeface="Meslo LG L DZ for Powerline RegularForPowerline" charset="0"/>
-              <a:ea typeface="Meslo LG L DZ for Powerline RegularForPowerline" charset="0"/>
-              <a:cs typeface="Meslo LG L DZ for Powerline RegularForPowerline" charset="0"/>
-            </a:endParaRPr>
-          </a:p>
-        </p:txBody>
-      </p:sp>
-      <p:sp>
-        <p:nvSpPr>
-          <p:cNvPr id="5" name="TextBox 4"/>
-          <p:cNvSpPr txBox="1"/>
-          <p:nvPr/>
-        </p:nvSpPr>
-        <p:spPr>
-          <a:xfrm>
-            <a:off x="6879021" y="2349062"/>
-            <a:ext cx="1718740" cy="369332"/>
-          </a:xfrm>
-          <a:prstGeom prst="rect">
-            <a:avLst/>
-          </a:prstGeom>
-          <a:noFill/>
-        </p:spPr>
-        <p:txBody>
-          <a:bodyPr wrap="none" rtlCol="0">
-            <a:spAutoFit/>
-          </a:bodyPr>
-          <a:lstStyle/>
-          <a:p>
-            <a:r>
-              <a:rPr lang="en-US" dirty="0" err="1" smtClean="0">
-                <a:latin typeface="Meslo LG L DZ for Powerline RegularForPowerline" charset="0"/>
-                <a:ea typeface="Meslo LG L DZ for Powerline RegularForPowerline" charset="0"/>
-                <a:cs typeface="Meslo LG L DZ for Powerline RegularForPowerline" charset="0"/>
-              </a:rPr>
-              <a:t>httpRequest</a:t>
-            </a:r>
-            <a:endParaRPr lang="en-US" dirty="0">
-              <a:latin typeface="Meslo LG L DZ for Powerline RegularForPowerline" charset="0"/>
-              <a:ea typeface="Meslo LG L DZ for Powerline RegularForPowerline" charset="0"/>
-              <a:cs typeface="Meslo LG L DZ for Powerline RegularForPowerline" charset="0"/>
-            </a:endParaRPr>
-          </a:p>
-        </p:txBody>
-      </p:sp>
-      <p:sp>
-        <p:nvSpPr>
-          <p:cNvPr id="6" name="TextBox 5"/>
-          <p:cNvSpPr txBox="1"/>
-          <p:nvPr/>
-        </p:nvSpPr>
-        <p:spPr>
-          <a:xfrm>
-            <a:off x="7152290" y="2684658"/>
-            <a:ext cx="1718740" cy="369332"/>
-          </a:xfrm>
-          <a:prstGeom prst="rect">
-            <a:avLst/>
-          </a:prstGeom>
-          <a:noFill/>
-        </p:spPr>
-        <p:txBody>
-          <a:bodyPr wrap="none" rtlCol="0">
-            <a:spAutoFit/>
-          </a:bodyPr>
-          <a:lstStyle/>
-          <a:p>
-            <a:r>
-              <a:rPr lang="en-US" smtClean="0">
-                <a:latin typeface="Meslo LG L DZ for Powerline RegularForPowerline" charset="0"/>
-                <a:ea typeface="Meslo LG L DZ for Powerline RegularForPowerline" charset="0"/>
-                <a:cs typeface="Meslo LG L DZ for Powerline RegularForPowerline" charset="0"/>
-              </a:rPr>
-              <a:t>extractData</a:t>
-            </a:r>
-            <a:endParaRPr lang="en-US" dirty="0">
-              <a:latin typeface="Meslo LG L DZ for Powerline RegularForPowerline" charset="0"/>
-              <a:ea typeface="Meslo LG L DZ for Powerline RegularForPowerline" charset="0"/>
-              <a:cs typeface="Meslo LG L DZ for Powerline RegularForPowerline" charset="0"/>
-            </a:endParaRPr>
-          </a:p>
-        </p:txBody>
-      </p:sp>
-      <p:sp>
-        <p:nvSpPr>
-          <p:cNvPr id="7" name="TextBox 6"/>
-          <p:cNvSpPr txBox="1"/>
-          <p:nvPr/>
-        </p:nvSpPr>
-        <p:spPr>
-          <a:xfrm>
-            <a:off x="7425559" y="3020254"/>
-            <a:ext cx="1858201" cy="369332"/>
-          </a:xfrm>
-          <a:prstGeom prst="rect">
-            <a:avLst/>
-          </a:prstGeom>
-          <a:noFill/>
-        </p:spPr>
-        <p:txBody>
-          <a:bodyPr wrap="none" rtlCol="0">
-            <a:spAutoFit/>
-          </a:bodyPr>
-          <a:lstStyle/>
-          <a:p>
-            <a:r>
-              <a:rPr lang="en-US" dirty="0" err="1" smtClean="0">
-                <a:latin typeface="Meslo LG L DZ for Powerline RegularForPowerline" charset="0"/>
-                <a:ea typeface="Meslo LG L DZ for Powerline RegularForPowerline" charset="0"/>
-                <a:cs typeface="Meslo LG L DZ for Powerline RegularForPowerline" charset="0"/>
-              </a:rPr>
-              <a:t>applyFilters</a:t>
-            </a:r>
-            <a:endParaRPr lang="en-US" dirty="0">
-              <a:latin typeface="Meslo LG L DZ for Powerline RegularForPowerline" charset="0"/>
-              <a:ea typeface="Meslo LG L DZ for Powerline RegularForPowerline" charset="0"/>
-              <a:cs typeface="Meslo LG L DZ for Powerline RegularForPowerline" charset="0"/>
-            </a:endParaRPr>
-          </a:p>
-        </p:txBody>
-      </p:sp>
-      <p:sp>
-        <p:nvSpPr>
-          <p:cNvPr id="8" name="TextBox 7"/>
-          <p:cNvSpPr txBox="1"/>
-          <p:nvPr/>
-        </p:nvSpPr>
-        <p:spPr>
-          <a:xfrm>
-            <a:off x="7668660" y="3389586"/>
-            <a:ext cx="2555508" cy="369332"/>
-          </a:xfrm>
-          <a:prstGeom prst="rect">
-            <a:avLst/>
-          </a:prstGeom>
-          <a:noFill/>
-        </p:spPr>
-        <p:txBody>
-          <a:bodyPr wrap="none" rtlCol="0">
-            <a:spAutoFit/>
-          </a:bodyPr>
-          <a:lstStyle/>
-          <a:p>
-            <a:r>
-              <a:rPr lang="en-US" dirty="0" err="1" smtClean="0">
-                <a:latin typeface="Meslo LG L DZ for Powerline RegularForPowerline" charset="0"/>
-                <a:ea typeface="Meslo LG L DZ for Powerline RegularForPowerline" charset="0"/>
-                <a:cs typeface="Meslo LG L DZ for Powerline RegularForPowerline" charset="0"/>
-              </a:rPr>
-              <a:t>filterEarthquakes</a:t>
-            </a:r>
-            <a:endParaRPr lang="en-US" dirty="0">
-              <a:latin typeface="Meslo LG L DZ for Powerline RegularForPowerline" charset="0"/>
-              <a:ea typeface="Meslo LG L DZ for Powerline RegularForPowerline" charset="0"/>
-              <a:cs typeface="Meslo LG L DZ for Powerline RegularForPowerline" charset="0"/>
-            </a:endParaRPr>
-          </a:p>
-        </p:txBody>
-      </p:sp>
-      <p:sp>
-        <p:nvSpPr>
-          <p:cNvPr id="9" name="TextBox 8"/>
-          <p:cNvSpPr txBox="1"/>
-          <p:nvPr/>
-        </p:nvSpPr>
-        <p:spPr>
-          <a:xfrm>
-            <a:off x="7668660" y="3758918"/>
-            <a:ext cx="2416046" cy="369332"/>
-          </a:xfrm>
-          <a:prstGeom prst="rect">
-            <a:avLst/>
-          </a:prstGeom>
-          <a:noFill/>
-        </p:spPr>
-        <p:txBody>
-          <a:bodyPr wrap="none" rtlCol="0">
-            <a:spAutoFit/>
-          </a:bodyPr>
-          <a:lstStyle/>
-          <a:p>
-            <a:r>
-              <a:rPr lang="en-US" dirty="0" err="1" smtClean="0">
-                <a:latin typeface="Meslo LG L DZ for Powerline RegularForPowerline" charset="0"/>
-                <a:ea typeface="Meslo LG L DZ for Powerline RegularForPowerline" charset="0"/>
-                <a:cs typeface="Meslo LG L DZ for Powerline RegularForPowerline" charset="0"/>
-              </a:rPr>
-              <a:t>groupByMagnitude</a:t>
-            </a:r>
-            <a:endParaRPr lang="en-US" dirty="0">
-              <a:latin typeface="Meslo LG L DZ for Powerline RegularForPowerline" charset="0"/>
-              <a:ea typeface="Meslo LG L DZ for Powerline RegularForPowerline" charset="0"/>
-              <a:cs typeface="Meslo LG L DZ for Powerline RegularForPowerline" charset="0"/>
-            </a:endParaRPr>
-          </a:p>
-        </p:txBody>
-      </p:sp>
-      <p:sp>
-        <p:nvSpPr>
-          <p:cNvPr id="10" name="TextBox 9"/>
-          <p:cNvSpPr txBox="1"/>
-          <p:nvPr/>
-        </p:nvSpPr>
-        <p:spPr>
-          <a:xfrm>
-            <a:off x="520262" y="1140372"/>
-            <a:ext cx="1483098" cy="523220"/>
-          </a:xfrm>
-          <a:prstGeom prst="rect">
-            <a:avLst/>
-          </a:prstGeom>
-          <a:noFill/>
-        </p:spPr>
-        <p:txBody>
-          <a:bodyPr wrap="none" rtlCol="0">
-            <a:spAutoFit/>
-          </a:bodyPr>
-          <a:lstStyle/>
-          <a:p>
-            <a:r>
-              <a:rPr lang="en-US" sz="2800" dirty="0" err="1" smtClean="0">
-                <a:latin typeface="Meslo LG L DZ for Powerline RegularForPowerline" charset="0"/>
-                <a:ea typeface="Meslo LG L DZ for Powerline RegularForPowerline" charset="0"/>
-                <a:cs typeface="Meslo LG L DZ for Powerline RegularForPowerline" charset="0"/>
-              </a:rPr>
-              <a:t>mainJS</a:t>
-            </a:r>
-            <a:endParaRPr lang="en-US" dirty="0">
-              <a:latin typeface="Meslo LG L DZ for Powerline RegularForPowerline" charset="0"/>
-              <a:ea typeface="Meslo LG L DZ for Powerline RegularForPowerline" charset="0"/>
-              <a:cs typeface="Meslo LG L DZ for Powerline RegularForPowerline" charset="0"/>
+              <a:t>undefined</a:t>
+            </a:r>
+            <a:endParaRPr lang="es-ES" dirty="0">
+              <a:solidFill>
+                <a:srgbClr val="C00000"/>
+              </a:solidFill>
             </a:endParaRPr>
           </a:p>
         </p:txBody>
@@ -3309,6 +3699,442 @@
   <p:clrMapOvr>
     <a:masterClrMapping/>
   </p:clrMapOvr>
+  <p:timing>
+    <p:tnLst>
+      <p:par>
+        <p:cTn id="1" dur="indefinite" restart="never" nodeType="tmRoot">
+          <p:childTnLst>
+            <p:seq concurrent="1" nextAc="seek">
+              <p:cTn id="2" dur="indefinite" nodeType="mainSeq">
+                <p:childTnLst>
+                  <p:par>
+                    <p:cTn id="3" fill="hold">
+                      <p:stCondLst>
+                        <p:cond delay="indefinite"/>
+                      </p:stCondLst>
+                      <p:childTnLst>
+                        <p:par>
+                          <p:cTn id="4" fill="hold">
+                            <p:stCondLst>
+                              <p:cond delay="0"/>
+                            </p:stCondLst>
+                            <p:childTnLst>
+                              <p:par>
+                                <p:cTn id="5" presetID="1" presetClass="entr" presetSubtype="0" fill="hold" grpId="0" nodeType="clickEffect">
+                                  <p:stCondLst>
+                                    <p:cond delay="0"/>
+                                  </p:stCondLst>
+                                  <p:childTnLst>
+                                    <p:set>
+                                      <p:cBhvr>
+                                        <p:cTn id="6" dur="1" fill="hold">
+                                          <p:stCondLst>
+                                            <p:cond delay="0"/>
+                                          </p:stCondLst>
+                                        </p:cTn>
+                                        <p:tgtEl>
+                                          <p:spTgt spid="11"/>
+                                        </p:tgtEl>
+                                        <p:attrNameLst>
+                                          <p:attrName>style.visibility</p:attrName>
+                                        </p:attrNameLst>
+                                      </p:cBhvr>
+                                      <p:to>
+                                        <p:strVal val="visible"/>
+                                      </p:to>
+                                    </p:set>
+                                  </p:childTnLst>
+                                </p:cTn>
+                              </p:par>
+                            </p:childTnLst>
+                          </p:cTn>
+                        </p:par>
+                        <p:par>
+                          <p:cTn id="7" fill="hold">
+                            <p:stCondLst>
+                              <p:cond delay="0"/>
+                            </p:stCondLst>
+                            <p:childTnLst>
+                              <p:par>
+                                <p:cTn id="8" presetID="42" presetClass="path" presetSubtype="0" accel="50000" decel="50000" fill="hold" grpId="1" nodeType="afterEffect">
+                                  <p:stCondLst>
+                                    <p:cond delay="1000"/>
+                                  </p:stCondLst>
+                                  <p:childTnLst>
+                                    <p:animMotion origin="layout" path="M 8.33333E-7 -3.33333E-6 L 0.00013 0.09584 " pathEditMode="relative" rAng="0" ptsTypes="AA">
+                                      <p:cBhvr>
+                                        <p:cTn id="9" dur="500" fill="hold"/>
+                                        <p:tgtEl>
+                                          <p:spTgt spid="11"/>
+                                        </p:tgtEl>
+                                        <p:attrNameLst>
+                                          <p:attrName>ppt_x</p:attrName>
+                                          <p:attrName>ppt_y</p:attrName>
+                                        </p:attrNameLst>
+                                      </p:cBhvr>
+                                      <p:rCtr x="0" y="4792"/>
+                                    </p:animMotion>
+                                  </p:childTnLst>
+                                </p:cTn>
+                              </p:par>
+                            </p:childTnLst>
+                          </p:cTn>
+                        </p:par>
+                        <p:par>
+                          <p:cTn id="10" fill="hold">
+                            <p:stCondLst>
+                              <p:cond delay="1500"/>
+                            </p:stCondLst>
+                            <p:childTnLst>
+                              <p:par>
+                                <p:cTn id="11" presetID="1" presetClass="entr" presetSubtype="0" fill="hold" grpId="0" nodeType="afterEffect">
+                                  <p:stCondLst>
+                                    <p:cond delay="0"/>
+                                  </p:stCondLst>
+                                  <p:childTnLst>
+                                    <p:set>
+                                      <p:cBhvr>
+                                        <p:cTn id="12" dur="1" fill="hold">
+                                          <p:stCondLst>
+                                            <p:cond delay="0"/>
+                                          </p:stCondLst>
+                                        </p:cTn>
+                                        <p:tgtEl>
+                                          <p:spTgt spid="16"/>
+                                        </p:tgtEl>
+                                        <p:attrNameLst>
+                                          <p:attrName>style.visibility</p:attrName>
+                                        </p:attrNameLst>
+                                      </p:cBhvr>
+                                      <p:to>
+                                        <p:strVal val="visible"/>
+                                      </p:to>
+                                    </p:set>
+                                  </p:childTnLst>
+                                </p:cTn>
+                              </p:par>
+                            </p:childTnLst>
+                          </p:cTn>
+                        </p:par>
+                        <p:par>
+                          <p:cTn id="13" fill="hold">
+                            <p:stCondLst>
+                              <p:cond delay="1500"/>
+                            </p:stCondLst>
+                            <p:childTnLst>
+                              <p:par>
+                                <p:cTn id="14" presetID="1" presetClass="entr" presetSubtype="0" fill="hold" nodeType="afterEffect">
+                                  <p:stCondLst>
+                                    <p:cond delay="0"/>
+                                  </p:stCondLst>
+                                  <p:childTnLst>
+                                    <p:set>
+                                      <p:cBhvr>
+                                        <p:cTn id="15" dur="1" fill="hold">
+                                          <p:stCondLst>
+                                            <p:cond delay="749"/>
+                                          </p:stCondLst>
+                                        </p:cTn>
+                                        <p:tgtEl>
+                                          <p:spTgt spid="31"/>
+                                        </p:tgtEl>
+                                        <p:attrNameLst>
+                                          <p:attrName>style.visibility</p:attrName>
+                                        </p:attrNameLst>
+                                      </p:cBhvr>
+                                      <p:to>
+                                        <p:strVal val="visible"/>
+                                      </p:to>
+                                    </p:set>
+                                  </p:childTnLst>
+                                </p:cTn>
+                              </p:par>
+                            </p:childTnLst>
+                          </p:cTn>
+                        </p:par>
+                        <p:par>
+                          <p:cTn id="16" fill="hold">
+                            <p:stCondLst>
+                              <p:cond delay="2250"/>
+                            </p:stCondLst>
+                            <p:childTnLst>
+                              <p:par>
+                                <p:cTn id="17" presetID="1" presetClass="exit" presetSubtype="0" fill="hold" nodeType="afterEffect">
+                                  <p:stCondLst>
+                                    <p:cond delay="0"/>
+                                  </p:stCondLst>
+                                  <p:childTnLst>
+                                    <p:set>
+                                      <p:cBhvr>
+                                        <p:cTn id="18" dur="1" fill="hold">
+                                          <p:stCondLst>
+                                            <p:cond delay="0"/>
+                                          </p:stCondLst>
+                                        </p:cTn>
+                                        <p:tgtEl>
+                                          <p:spTgt spid="31"/>
+                                        </p:tgtEl>
+                                        <p:attrNameLst>
+                                          <p:attrName>style.visibility</p:attrName>
+                                        </p:attrNameLst>
+                                      </p:cBhvr>
+                                      <p:to>
+                                        <p:strVal val="hidden"/>
+                                      </p:to>
+                                    </p:set>
+                                  </p:childTnLst>
+                                </p:cTn>
+                              </p:par>
+                            </p:childTnLst>
+                          </p:cTn>
+                        </p:par>
+                        <p:par>
+                          <p:cTn id="19" fill="hold">
+                            <p:stCondLst>
+                              <p:cond delay="2250"/>
+                            </p:stCondLst>
+                            <p:childTnLst>
+                              <p:par>
+                                <p:cTn id="20" presetID="10" presetClass="entr" presetSubtype="0" fill="hold" nodeType="afterEffect">
+                                  <p:stCondLst>
+                                    <p:cond delay="0"/>
+                                  </p:stCondLst>
+                                  <p:childTnLst>
+                                    <p:set>
+                                      <p:cBhvr>
+                                        <p:cTn id="21" dur="1" fill="hold">
+                                          <p:stCondLst>
+                                            <p:cond delay="0"/>
+                                          </p:stCondLst>
+                                        </p:cTn>
+                                        <p:tgtEl>
+                                          <p:spTgt spid="35"/>
+                                        </p:tgtEl>
+                                        <p:attrNameLst>
+                                          <p:attrName>style.visibility</p:attrName>
+                                        </p:attrNameLst>
+                                      </p:cBhvr>
+                                      <p:to>
+                                        <p:strVal val="visible"/>
+                                      </p:to>
+                                    </p:set>
+                                    <p:animEffect transition="in" filter="fade">
+                                      <p:cBhvr>
+                                        <p:cTn id="22" dur="500"/>
+                                        <p:tgtEl>
+                                          <p:spTgt spid="35"/>
+                                        </p:tgtEl>
+                                      </p:cBhvr>
+                                    </p:animEffect>
+                                  </p:childTnLst>
+                                </p:cTn>
+                              </p:par>
+                            </p:childTnLst>
+                          </p:cTn>
+                        </p:par>
+                        <p:par>
+                          <p:cTn id="23" fill="hold">
+                            <p:stCondLst>
+                              <p:cond delay="2750"/>
+                            </p:stCondLst>
+                            <p:childTnLst>
+                              <p:par>
+                                <p:cTn id="24" presetID="1" presetClass="exit" presetSubtype="0" fill="hold" nodeType="afterEffect">
+                                  <p:stCondLst>
+                                    <p:cond delay="0"/>
+                                  </p:stCondLst>
+                                  <p:childTnLst>
+                                    <p:set>
+                                      <p:cBhvr>
+                                        <p:cTn id="25" dur="1" fill="hold">
+                                          <p:stCondLst>
+                                            <p:cond delay="0"/>
+                                          </p:stCondLst>
+                                        </p:cTn>
+                                        <p:tgtEl>
+                                          <p:spTgt spid="35"/>
+                                        </p:tgtEl>
+                                        <p:attrNameLst>
+                                          <p:attrName>style.visibility</p:attrName>
+                                        </p:attrNameLst>
+                                      </p:cBhvr>
+                                      <p:to>
+                                        <p:strVal val="hidden"/>
+                                      </p:to>
+                                    </p:set>
+                                  </p:childTnLst>
+                                </p:cTn>
+                              </p:par>
+                            </p:childTnLst>
+                          </p:cTn>
+                        </p:par>
+                        <p:par>
+                          <p:cTn id="26" fill="hold">
+                            <p:stCondLst>
+                              <p:cond delay="2750"/>
+                            </p:stCondLst>
+                            <p:childTnLst>
+                              <p:par>
+                                <p:cTn id="27" presetID="42" presetClass="path" presetSubtype="0" accel="50000" decel="50000" fill="hold" grpId="1" nodeType="afterEffect">
+                                  <p:stCondLst>
+                                    <p:cond delay="750"/>
+                                  </p:stCondLst>
+                                  <p:childTnLst>
+                                    <p:animMotion origin="layout" path="M -3.125E-6 2.96296E-6 L -3.125E-6 0.35833 " pathEditMode="relative" rAng="0" ptsTypes="AA">
+                                      <p:cBhvr>
+                                        <p:cTn id="28" dur="4000" fill="hold"/>
+                                        <p:tgtEl>
+                                          <p:spTgt spid="16"/>
+                                        </p:tgtEl>
+                                        <p:attrNameLst>
+                                          <p:attrName>ppt_x</p:attrName>
+                                          <p:attrName>ppt_y</p:attrName>
+                                        </p:attrNameLst>
+                                      </p:cBhvr>
+                                      <p:rCtr x="0" y="17917"/>
+                                    </p:animMotion>
+                                  </p:childTnLst>
+                                </p:cTn>
+                              </p:par>
+                              <p:par>
+                                <p:cTn id="29" presetID="42" presetClass="path" presetSubtype="0" accel="50000" decel="50000" fill="hold" grpId="2" nodeType="withEffect">
+                                  <p:stCondLst>
+                                    <p:cond delay="2000"/>
+                                  </p:stCondLst>
+                                  <p:childTnLst>
+                                    <p:animMotion origin="layout" path="M 0.00013 0.09584 L 8.33333E-7 0.16945 " pathEditMode="relative" rAng="0" ptsTypes="AA">
+                                      <p:cBhvr>
+                                        <p:cTn id="30" dur="750" fill="hold"/>
+                                        <p:tgtEl>
+                                          <p:spTgt spid="11"/>
+                                        </p:tgtEl>
+                                        <p:attrNameLst>
+                                          <p:attrName>ppt_x</p:attrName>
+                                          <p:attrName>ppt_y</p:attrName>
+                                        </p:attrNameLst>
+                                      </p:cBhvr>
+                                      <p:rCtr x="0" y="4306"/>
+                                    </p:animMotion>
+                                  </p:childTnLst>
+                                </p:cTn>
+                              </p:par>
+                              <p:par>
+                                <p:cTn id="31" presetID="53" presetClass="entr" presetSubtype="16" fill="hold" grpId="0" nodeType="withEffect">
+                                  <p:stCondLst>
+                                    <p:cond delay="3000"/>
+                                  </p:stCondLst>
+                                  <p:childTnLst>
+                                    <p:set>
+                                      <p:cBhvr>
+                                        <p:cTn id="32" dur="1" fill="hold">
+                                          <p:stCondLst>
+                                            <p:cond delay="0"/>
+                                          </p:stCondLst>
+                                        </p:cTn>
+                                        <p:tgtEl>
+                                          <p:spTgt spid="37"/>
+                                        </p:tgtEl>
+                                        <p:attrNameLst>
+                                          <p:attrName>style.visibility</p:attrName>
+                                        </p:attrNameLst>
+                                      </p:cBhvr>
+                                      <p:to>
+                                        <p:strVal val="visible"/>
+                                      </p:to>
+                                    </p:set>
+                                    <p:anim calcmode="lin" valueType="num">
+                                      <p:cBhvr>
+                                        <p:cTn id="33" dur="500" fill="hold"/>
+                                        <p:tgtEl>
+                                          <p:spTgt spid="37"/>
+                                        </p:tgtEl>
+                                        <p:attrNameLst>
+                                          <p:attrName>ppt_w</p:attrName>
+                                        </p:attrNameLst>
+                                      </p:cBhvr>
+                                      <p:tavLst>
+                                        <p:tav tm="0">
+                                          <p:val>
+                                            <p:fltVal val="0"/>
+                                          </p:val>
+                                        </p:tav>
+                                        <p:tav tm="100000">
+                                          <p:val>
+                                            <p:strVal val="#ppt_w"/>
+                                          </p:val>
+                                        </p:tav>
+                                      </p:tavLst>
+                                    </p:anim>
+                                    <p:anim calcmode="lin" valueType="num">
+                                      <p:cBhvr>
+                                        <p:cTn id="34" dur="500" fill="hold"/>
+                                        <p:tgtEl>
+                                          <p:spTgt spid="37"/>
+                                        </p:tgtEl>
+                                        <p:attrNameLst>
+                                          <p:attrName>ppt_h</p:attrName>
+                                        </p:attrNameLst>
+                                      </p:cBhvr>
+                                      <p:tavLst>
+                                        <p:tav tm="0">
+                                          <p:val>
+                                            <p:fltVal val="0"/>
+                                          </p:val>
+                                        </p:tav>
+                                        <p:tav tm="100000">
+                                          <p:val>
+                                            <p:strVal val="#ppt_h"/>
+                                          </p:val>
+                                        </p:tav>
+                                      </p:tavLst>
+                                    </p:anim>
+                                    <p:animEffect transition="in" filter="fade">
+                                      <p:cBhvr>
+                                        <p:cTn id="35" dur="500"/>
+                                        <p:tgtEl>
+                                          <p:spTgt spid="37"/>
+                                        </p:tgtEl>
+                                      </p:cBhvr>
+                                    </p:animEffect>
+                                  </p:childTnLst>
+                                </p:cTn>
+                              </p:par>
+                            </p:childTnLst>
+                          </p:cTn>
+                        </p:par>
+                      </p:childTnLst>
+                    </p:cTn>
+                  </p:par>
+                </p:childTnLst>
+              </p:cTn>
+              <p:prevCondLst>
+                <p:cond evt="onPrev" delay="0">
+                  <p:tgtEl>
+                    <p:sldTgt/>
+                  </p:tgtEl>
+                </p:cond>
+              </p:prevCondLst>
+              <p:nextCondLst>
+                <p:cond evt="onNext" delay="0">
+                  <p:tgtEl>
+                    <p:sldTgt/>
+                  </p:tgtEl>
+                </p:cond>
+              </p:nextCondLst>
+            </p:seq>
+          </p:childTnLst>
+        </p:cTn>
+      </p:par>
+    </p:tnLst>
+    <p:bldLst>
+      <p:bldP spid="11" grpId="0" animBg="1"/>
+      <p:bldP spid="11" grpId="1" animBg="1"/>
+      <p:bldP spid="11" grpId="2" animBg="1"/>
+      <p:bldP spid="16" grpId="0" animBg="1"/>
+      <p:bldP spid="16" grpId="1" animBg="1"/>
+      <p:bldP spid="37" grpId="0"/>
+    </p:bldLst>
+  </p:timing>
 </p:sld>
 </file>
 
